--- a/郭会玲/地理/七上/2.4 海陆变迁.pptx
+++ b/郭会玲/地理/七上/2.4 海陆变迁.pptx
@@ -374,7 +374,7 @@
             </a:extLst>
           </p:cNvPr>
           <p:cNvSpPr>
-            <a:spLocks noChangeArrowheads="1" noTextEdit="1"/>
+            <a:spLocks noGrp="1" noRot="1" noChangeAspect="1" noChangeArrowheads="1" noTextEdit="1"/>
           </p:cNvSpPr>
           <p:nvPr>
             <p:ph type="sldImg" idx="2"/>
@@ -860,7 +860,7 @@
             </a:extLst>
           </p:cNvPr>
           <p:cNvSpPr>
-            <a:spLocks noChangeArrowheads="1" noTextEdit="1"/>
+            <a:spLocks noGrp="1" noRot="1" noChangeAspect="1" noChangeArrowheads="1" noTextEdit="1"/>
           </p:cNvSpPr>
           <p:nvPr>
             <p:ph type="sldImg"/>
@@ -962,7 +962,7 @@
             </a:extLst>
           </p:cNvPr>
           <p:cNvSpPr>
-            <a:spLocks noChangeArrowheads="1" noTextEdit="1"/>
+            <a:spLocks noGrp="1" noRot="1" noChangeAspect="1" noChangeArrowheads="1" noTextEdit="1"/>
           </p:cNvSpPr>
           <p:nvPr>
             <p:ph type="sldImg"/>
@@ -1064,7 +1064,7 @@
             </a:extLst>
           </p:cNvPr>
           <p:cNvSpPr>
-            <a:spLocks noChangeArrowheads="1" noTextEdit="1"/>
+            <a:spLocks noGrp="1" noRot="1" noChangeAspect="1" noChangeArrowheads="1" noTextEdit="1"/>
           </p:cNvSpPr>
           <p:nvPr>
             <p:ph type="sldImg"/>
@@ -1166,7 +1166,7 @@
             </a:extLst>
           </p:cNvPr>
           <p:cNvSpPr>
-            <a:spLocks noChangeArrowheads="1" noTextEdit="1"/>
+            <a:spLocks noGrp="1" noRot="1" noChangeAspect="1" noChangeArrowheads="1" noTextEdit="1"/>
           </p:cNvSpPr>
           <p:nvPr>
             <p:ph type="sldImg"/>
@@ -1268,7 +1268,7 @@
             </a:extLst>
           </p:cNvPr>
           <p:cNvSpPr>
-            <a:spLocks noChangeArrowheads="1" noTextEdit="1"/>
+            <a:spLocks noGrp="1" noRot="1" noChangeAspect="1" noChangeArrowheads="1" noTextEdit="1"/>
           </p:cNvSpPr>
           <p:nvPr>
             <p:ph type="sldImg"/>
@@ -1370,7 +1370,7 @@
             </a:extLst>
           </p:cNvPr>
           <p:cNvSpPr>
-            <a:spLocks noChangeArrowheads="1" noTextEdit="1"/>
+            <a:spLocks noGrp="1" noRot="1" noChangeAspect="1" noChangeArrowheads="1" noTextEdit="1"/>
           </p:cNvSpPr>
           <p:nvPr>
             <p:ph type="sldImg"/>
@@ -1472,7 +1472,7 @@
             </a:extLst>
           </p:cNvPr>
           <p:cNvSpPr>
-            <a:spLocks noChangeArrowheads="1" noTextEdit="1"/>
+            <a:spLocks noGrp="1" noRot="1" noChangeAspect="1" noChangeArrowheads="1" noTextEdit="1"/>
           </p:cNvSpPr>
           <p:nvPr>
             <p:ph type="sldImg"/>
@@ -1574,7 +1574,7 @@
             </a:extLst>
           </p:cNvPr>
           <p:cNvSpPr>
-            <a:spLocks noChangeArrowheads="1" noTextEdit="1"/>
+            <a:spLocks noGrp="1" noRot="1" noChangeAspect="1" noChangeArrowheads="1" noTextEdit="1"/>
           </p:cNvSpPr>
           <p:nvPr>
             <p:ph type="sldImg"/>
@@ -1676,7 +1676,7 @@
             </a:extLst>
           </p:cNvPr>
           <p:cNvSpPr>
-            <a:spLocks noChangeArrowheads="1" noTextEdit="1"/>
+            <a:spLocks noGrp="1" noRot="1" noChangeAspect="1" noChangeArrowheads="1" noTextEdit="1"/>
           </p:cNvSpPr>
           <p:nvPr>
             <p:ph type="sldImg"/>
@@ -1778,7 +1778,7 @@
             </a:extLst>
           </p:cNvPr>
           <p:cNvSpPr>
-            <a:spLocks noChangeArrowheads="1" noTextEdit="1"/>
+            <a:spLocks noGrp="1" noRot="1" noChangeAspect="1" noChangeArrowheads="1" noTextEdit="1"/>
           </p:cNvSpPr>
           <p:nvPr>
             <p:ph type="sldImg"/>
@@ -1880,7 +1880,7 @@
             </a:extLst>
           </p:cNvPr>
           <p:cNvSpPr>
-            <a:spLocks noChangeArrowheads="1" noTextEdit="1"/>
+            <a:spLocks noGrp="1" noRot="1" noChangeAspect="1" noChangeArrowheads="1" noTextEdit="1"/>
           </p:cNvSpPr>
           <p:nvPr>
             <p:ph type="sldImg"/>
@@ -1982,7 +1982,7 @@
             </a:extLst>
           </p:cNvPr>
           <p:cNvSpPr>
-            <a:spLocks noChangeArrowheads="1" noTextEdit="1"/>
+            <a:spLocks noGrp="1" noRot="1" noChangeAspect="1" noChangeArrowheads="1" noTextEdit="1"/>
           </p:cNvSpPr>
           <p:nvPr>
             <p:ph type="sldImg"/>
@@ -2084,7 +2084,7 @@
             </a:extLst>
           </p:cNvPr>
           <p:cNvSpPr>
-            <a:spLocks noChangeArrowheads="1" noTextEdit="1"/>
+            <a:spLocks noGrp="1" noRot="1" noChangeAspect="1" noChangeArrowheads="1" noTextEdit="1"/>
           </p:cNvSpPr>
           <p:nvPr>
             <p:ph type="sldImg"/>
@@ -2186,7 +2186,7 @@
             </a:extLst>
           </p:cNvPr>
           <p:cNvSpPr>
-            <a:spLocks noChangeArrowheads="1" noTextEdit="1"/>
+            <a:spLocks noGrp="1" noRot="1" noChangeAspect="1" noChangeArrowheads="1" noTextEdit="1"/>
           </p:cNvSpPr>
           <p:nvPr>
             <p:ph type="sldImg"/>
@@ -2288,7 +2288,7 @@
             </a:extLst>
           </p:cNvPr>
           <p:cNvSpPr>
-            <a:spLocks noChangeArrowheads="1" noTextEdit="1"/>
+            <a:spLocks noGrp="1" noRot="1" noChangeAspect="1" noChangeArrowheads="1" noTextEdit="1"/>
           </p:cNvSpPr>
           <p:nvPr>
             <p:ph type="sldImg"/>
@@ -2390,7 +2390,7 @@
             </a:extLst>
           </p:cNvPr>
           <p:cNvSpPr>
-            <a:spLocks noChangeArrowheads="1" noTextEdit="1"/>
+            <a:spLocks noGrp="1" noRot="1" noChangeAspect="1" noChangeArrowheads="1" noTextEdit="1"/>
           </p:cNvSpPr>
           <p:nvPr>
             <p:ph type="sldImg"/>
@@ -2492,7 +2492,7 @@
             </a:extLst>
           </p:cNvPr>
           <p:cNvSpPr>
-            <a:spLocks noChangeArrowheads="1" noTextEdit="1"/>
+            <a:spLocks noGrp="1" noRot="1" noChangeAspect="1" noChangeArrowheads="1" noTextEdit="1"/>
           </p:cNvSpPr>
           <p:nvPr>
             <p:ph type="sldImg"/>
@@ -2594,7 +2594,7 @@
             </a:extLst>
           </p:cNvPr>
           <p:cNvSpPr>
-            <a:spLocks noChangeArrowheads="1" noTextEdit="1"/>
+            <a:spLocks noGrp="1" noRot="1" noChangeAspect="1" noChangeArrowheads="1" noTextEdit="1"/>
           </p:cNvSpPr>
           <p:nvPr>
             <p:ph type="sldImg"/>
@@ -2696,7 +2696,7 @@
             </a:extLst>
           </p:cNvPr>
           <p:cNvSpPr>
-            <a:spLocks noChangeArrowheads="1" noTextEdit="1"/>
+            <a:spLocks noGrp="1" noRot="1" noChangeAspect="1" noChangeArrowheads="1" noTextEdit="1"/>
           </p:cNvSpPr>
           <p:nvPr>
             <p:ph type="sldImg"/>
@@ -2798,7 +2798,7 @@
             </a:extLst>
           </p:cNvPr>
           <p:cNvSpPr>
-            <a:spLocks noChangeArrowheads="1" noTextEdit="1"/>
+            <a:spLocks noGrp="1" noRot="1" noChangeAspect="1" noChangeArrowheads="1" noTextEdit="1"/>
           </p:cNvSpPr>
           <p:nvPr>
             <p:ph type="sldImg"/>
@@ -2900,7 +2900,7 @@
             </a:extLst>
           </p:cNvPr>
           <p:cNvSpPr>
-            <a:spLocks noChangeArrowheads="1" noTextEdit="1"/>
+            <a:spLocks noGrp="1" noRot="1" noChangeAspect="1" noChangeArrowheads="1" noTextEdit="1"/>
           </p:cNvSpPr>
           <p:nvPr>
             <p:ph type="sldImg"/>
@@ -3002,7 +3002,7 @@
             </a:extLst>
           </p:cNvPr>
           <p:cNvSpPr>
-            <a:spLocks noChangeArrowheads="1" noTextEdit="1"/>
+            <a:spLocks noGrp="1" noRot="1" noChangeAspect="1" noChangeArrowheads="1" noTextEdit="1"/>
           </p:cNvSpPr>
           <p:nvPr>
             <p:ph type="sldImg"/>
@@ -3104,7 +3104,7 @@
             </a:extLst>
           </p:cNvPr>
           <p:cNvSpPr>
-            <a:spLocks noChangeArrowheads="1" noTextEdit="1"/>
+            <a:spLocks noGrp="1" noRot="1" noChangeAspect="1" noChangeArrowheads="1" noTextEdit="1"/>
           </p:cNvSpPr>
           <p:nvPr>
             <p:ph type="sldImg"/>
@@ -3206,7 +3206,7 @@
             </a:extLst>
           </p:cNvPr>
           <p:cNvSpPr>
-            <a:spLocks noChangeArrowheads="1" noTextEdit="1"/>
+            <a:spLocks noGrp="1" noRot="1" noChangeAspect="1" noChangeArrowheads="1" noTextEdit="1"/>
           </p:cNvSpPr>
           <p:nvPr>
             <p:ph type="sldImg"/>
@@ -6884,7 +6884,7 @@
         </p:nvSpPr>
         <p:spPr>
           <a:xfrm>
-            <a:off x="395288" y="620713"/>
+            <a:off x="35496" y="2601119"/>
             <a:ext cx="6686550" cy="1655762"/>
           </a:xfrm>
         </p:spPr>
@@ -6893,101 +6893,8 @@
           <a:lstStyle/>
           <a:p>
             <a:r>
-              <a:rPr lang="zh-CN" altLang="en-US" sz="6000"/>
+              <a:rPr lang="zh-CN" altLang="en-US" sz="6000" dirty="0"/>
               <a:t>第四节 海陆的变迁</a:t>
-            </a:r>
-          </a:p>
-        </p:txBody>
-      </p:sp>
-      <p:sp>
-        <p:nvSpPr>
-          <p:cNvPr id="2058" name="Text Box 10">
-            <a:extLst>
-              <a:ext uri="{FF2B5EF4-FFF2-40B4-BE49-F238E27FC236}">
-                <a16:creationId xmlns:a16="http://schemas.microsoft.com/office/drawing/2014/main" id="{ED1D5C7A-1890-45F0-8C1C-48EA8EBE6CF3}"/>
-              </a:ext>
-            </a:extLst>
-          </p:cNvPr>
-          <p:cNvSpPr txBox="1">
-            <a:spLocks noChangeArrowheads="1"/>
-          </p:cNvSpPr>
-          <p:nvPr/>
-        </p:nvSpPr>
-        <p:spPr bwMode="auto">
-          <a:xfrm>
-            <a:off x="468313" y="4724400"/>
-            <a:ext cx="4464050" cy="1465263"/>
-          </a:xfrm>
-          <a:prstGeom prst="rect">
-            <a:avLst/>
-          </a:prstGeom>
-          <a:noFill/>
-          <a:ln>
-            <a:noFill/>
-          </a:ln>
-          <a:effectLst/>
-          <a:extLst>
-            <a:ext uri="{909E8E84-426E-40DD-AFC4-6F175D3DCCD1}">
-              <a14:hiddenFill xmlns:a14="http://schemas.microsoft.com/office/drawing/2010/main">
-                <a:solidFill>
-                  <a:schemeClr val="accent1"/>
-                </a:solidFill>
-              </a14:hiddenFill>
-            </a:ext>
-            <a:ext uri="{91240B29-F687-4F45-9708-019B960494DF}">
-              <a14:hiddenLine xmlns:a14="http://schemas.microsoft.com/office/drawing/2010/main" w="12700" cap="sq">
-                <a:solidFill>
-                  <a:schemeClr val="tx1"/>
-                </a:solidFill>
-                <a:miter lim="800000"/>
-                <a:headEnd type="none" w="sm" len="sm"/>
-                <a:tailEnd type="none" w="sm" len="sm"/>
-              </a14:hiddenLine>
-            </a:ext>
-            <a:ext uri="{AF507438-7753-43E0-B8FC-AC1667EBCBE1}">
-              <a14:hiddenEffects xmlns:a14="http://schemas.microsoft.com/office/drawing/2010/main">
-                <a:effectLst>
-                  <a:outerShdw dist="35921" dir="2700000" algn="ctr" rotWithShape="0">
-                    <a:schemeClr val="bg2"/>
-                  </a:outerShdw>
-                </a:effectLst>
-              </a14:hiddenEffects>
-            </a:ext>
-          </a:extLst>
-        </p:spPr>
-        <p:txBody>
-          <a:bodyPr>
-            <a:spAutoFit/>
-          </a:bodyPr>
-          <a:lstStyle/>
-          <a:p>
-            <a:pPr>
-              <a:spcBef>
-                <a:spcPct val="50000"/>
-              </a:spcBef>
-            </a:pPr>
-            <a:r>
-              <a:rPr lang="zh-CN" altLang="en-US" sz="3600" b="1">
-                <a:solidFill>
-                  <a:srgbClr val="FF0000"/>
-                </a:solidFill>
-              </a:rPr>
-              <a:t>主讲：郑东花</a:t>
-            </a:r>
-          </a:p>
-          <a:p>
-            <a:pPr>
-              <a:spcBef>
-                <a:spcPct val="50000"/>
-              </a:spcBef>
-            </a:pPr>
-            <a:r>
-              <a:rPr lang="zh-CN" altLang="en-US" sz="3600" b="1">
-                <a:solidFill>
-                  <a:srgbClr val="FF0000"/>
-                </a:solidFill>
-              </a:rPr>
-              <a:t>    东坡中学</a:t>
             </a:r>
           </a:p>
         </p:txBody>
@@ -7591,7 +7498,7 @@
     <p:controls>
       <mc:AlternateContent xmlns:mc="http://schemas.openxmlformats.org/markup-compatibility/2006">
         <mc:Choice xmlns:v="urn:schemas-microsoft-com:vml" Requires="v">
-          <p:control spid="38919" r:id="rId2" imgW="0" imgH="0"/>
+          <p:control spid="38920" r:id="rId2" imgW="0" imgH="0"/>
         </mc:Choice>
         <mc:Fallback>
           <p:control r:id="rId2" imgW="0" imgH="0">
@@ -23644,7 +23551,7 @@
     <p:controls>
       <mc:AlternateContent xmlns:mc="http://schemas.openxmlformats.org/markup-compatibility/2006">
         <mc:Choice xmlns:v="urn:schemas-microsoft-com:vml" Requires="v">
-          <p:control spid="69639" r:id="rId2" imgW="0" imgH="0"/>
+          <p:control spid="69640" r:id="rId2" imgW="0" imgH="0"/>
         </mc:Choice>
         <mc:Fallback>
           <p:control r:id="rId2" imgW="0" imgH="0">
